--- a/ppt/PhotoDO.pptx
+++ b/ppt/PhotoDO.pptx
@@ -18504,66 +18504,6 @@
           </a:p>
         </p:txBody>
       </p:sp>
-      <p:pic>
-        <p:nvPicPr>
-          <p:cNvPr id="16" name="图片 15">
-            <a:extLst>
-              <a:ext uri="{FF2B5EF4-FFF2-40B4-BE49-F238E27FC236}">
-                <a16:creationId xmlns:a16="http://schemas.microsoft.com/office/drawing/2014/main" id="{FD732729-66D1-4895-86B9-01C59F17395D}"/>
-              </a:ext>
-            </a:extLst>
-          </p:cNvPr>
-          <p:cNvPicPr>
-            <a:picLocks noChangeAspect="1"/>
-          </p:cNvPicPr>
-          <p:nvPr/>
-        </p:nvPicPr>
-        <p:blipFill>
-          <a:blip r:embed="rId6" cstate="print"/>
-          <a:stretch>
-            <a:fillRect/>
-          </a:stretch>
-        </p:blipFill>
-        <p:spPr>
-          <a:xfrm>
-            <a:off x="3715860" y="1383674"/>
-            <a:ext cx="1796762" cy="3892984"/>
-          </a:xfrm>
-          <a:prstGeom prst="rect">
-            <a:avLst/>
-          </a:prstGeom>
-          <a:solidFill>
-            <a:srgbClr val="FFFFFF">
-              <a:shade val="85000"/>
-            </a:srgbClr>
-          </a:solidFill>
-          <a:ln w="88900" cap="sq">
-            <a:solidFill>
-              <a:srgbClr val="FFFFFF"/>
-            </a:solidFill>
-            <a:miter lim="800000"/>
-          </a:ln>
-          <a:effectLst>
-            <a:outerShdw blurRad="55000" dist="18000" dir="5400000" algn="tl" rotWithShape="0">
-              <a:srgbClr val="000000">
-                <a:alpha val="40000"/>
-              </a:srgbClr>
-            </a:outerShdw>
-          </a:effectLst>
-          <a:scene3d>
-            <a:camera prst="orthographicFront"/>
-            <a:lightRig rig="twoPt" dir="t">
-              <a:rot lat="0" lon="0" rev="7200000"/>
-            </a:lightRig>
-          </a:scene3d>
-          <a:sp3d>
-            <a:bevelT w="25400" h="19050"/>
-            <a:contourClr>
-              <a:srgbClr val="FFFFFF"/>
-            </a:contourClr>
-          </a:sp3d>
-        </p:spPr>
-      </p:pic>
       <p:sp>
         <p:nvSpPr>
           <p:cNvPr id="21" name="TextBox 20"/>
@@ -19102,6 +19042,42 @@
           </p:txBody>
         </p:sp>
       </p:grpSp>
+      <p:pic>
+        <p:nvPicPr>
+          <p:cNvPr id="6" name="图片 5">
+            <a:extLst>
+              <a:ext uri="{FF2B5EF4-FFF2-40B4-BE49-F238E27FC236}">
+                <a16:creationId xmlns:a16="http://schemas.microsoft.com/office/drawing/2014/main" id="{3E350704-0DDA-40EE-A427-37B0908ED306}"/>
+              </a:ext>
+            </a:extLst>
+          </p:cNvPr>
+          <p:cNvPicPr>
+            <a:picLocks noChangeAspect="1"/>
+          </p:cNvPicPr>
+          <p:nvPr/>
+        </p:nvPicPr>
+        <p:blipFill>
+          <a:blip r:embed="rId7">
+            <a:extLst>
+              <a:ext uri="{28A0092B-C50C-407E-A947-70E740481C1C}">
+                <a14:useLocalDpi xmlns:a14="http://schemas.microsoft.com/office/drawing/2010/main" val="0"/>
+              </a:ext>
+            </a:extLst>
+          </a:blip>
+          <a:stretch>
+            <a:fillRect/>
+          </a:stretch>
+        </p:blipFill>
+        <p:spPr>
+          <a:xfrm>
+            <a:off x="3784348" y="1368662"/>
+            <a:ext cx="2114775" cy="3892984"/>
+          </a:xfrm>
+          <a:prstGeom prst="rect">
+            <a:avLst/>
+          </a:prstGeom>
+        </p:spPr>
+      </p:pic>
     </p:spTree>
     <p:extLst>
       <p:ext uri="{BB962C8B-B14F-4D97-AF65-F5344CB8AC3E}">
@@ -19242,7 +19218,7 @@
                                           </p:stCondLst>
                                         </p:cTn>
                                         <p:tgtEl>
-                                          <p:spTgt spid="16"/>
+                                          <p:spTgt spid="23"/>
                                         </p:tgtEl>
                                         <p:attrNameLst>
                                           <p:attrName>style.visibility</p:attrName>
@@ -19256,7 +19232,7 @@
                                       <p:cBhvr>
                                         <p:cTn id="13" dur="750" fill="hold"/>
                                         <p:tgtEl>
-                                          <p:spTgt spid="16"/>
+                                          <p:spTgt spid="23"/>
                                         </p:tgtEl>
                                         <p:attrNameLst>
                                           <p:attrName>ppt_w</p:attrName>
@@ -19279,7 +19255,7 @@
                                       <p:cBhvr>
                                         <p:cTn id="14" dur="750" fill="hold"/>
                                         <p:tgtEl>
-                                          <p:spTgt spid="16"/>
+                                          <p:spTgt spid="23"/>
                                         </p:tgtEl>
                                         <p:attrNameLst>
                                           <p:attrName>ppt_h</p:attrName>
@@ -19302,96 +19278,6 @@
                                       <p:cBhvr>
                                         <p:cTn id="15" dur="750"/>
                                         <p:tgtEl>
-                                          <p:spTgt spid="16"/>
-                                        </p:tgtEl>
-                                      </p:cBhvr>
-                                    </p:animEffect>
-                                  </p:childTnLst>
-                                </p:cTn>
-                              </p:par>
-                            </p:childTnLst>
-                          </p:cTn>
-                        </p:par>
-                        <p:par>
-                          <p:cTn id="16" fill="hold">
-                            <p:stCondLst>
-                              <p:cond delay="1500"/>
-                            </p:stCondLst>
-                            <p:childTnLst>
-                              <p:par>
-                                <p:cTn id="17" presetID="53" presetClass="entr" presetSubtype="16" fill="hold" nodeType="afterEffect">
-                                  <p:stCondLst>
-                                    <p:cond delay="0"/>
-                                  </p:stCondLst>
-                                  <p:childTnLst>
-                                    <p:set>
-                                      <p:cBhvr>
-                                        <p:cTn id="18" dur="1" fill="hold">
-                                          <p:stCondLst>
-                                            <p:cond delay="0"/>
-                                          </p:stCondLst>
-                                        </p:cTn>
-                                        <p:tgtEl>
-                                          <p:spTgt spid="23"/>
-                                        </p:tgtEl>
-                                        <p:attrNameLst>
-                                          <p:attrName>style.visibility</p:attrName>
-                                        </p:attrNameLst>
-                                      </p:cBhvr>
-                                      <p:to>
-                                        <p:strVal val="visible"/>
-                                      </p:to>
-                                    </p:set>
-                                    <p:anim calcmode="lin" valueType="num">
-                                      <p:cBhvr>
-                                        <p:cTn id="19" dur="750" fill="hold"/>
-                                        <p:tgtEl>
-                                          <p:spTgt spid="23"/>
-                                        </p:tgtEl>
-                                        <p:attrNameLst>
-                                          <p:attrName>ppt_w</p:attrName>
-                                        </p:attrNameLst>
-                                      </p:cBhvr>
-                                      <p:tavLst>
-                                        <p:tav tm="0">
-                                          <p:val>
-                                            <p:fltVal val="0"/>
-                                          </p:val>
-                                        </p:tav>
-                                        <p:tav tm="100000">
-                                          <p:val>
-                                            <p:strVal val="#ppt_w"/>
-                                          </p:val>
-                                        </p:tav>
-                                      </p:tavLst>
-                                    </p:anim>
-                                    <p:anim calcmode="lin" valueType="num">
-                                      <p:cBhvr>
-                                        <p:cTn id="20" dur="750" fill="hold"/>
-                                        <p:tgtEl>
-                                          <p:spTgt spid="23"/>
-                                        </p:tgtEl>
-                                        <p:attrNameLst>
-                                          <p:attrName>ppt_h</p:attrName>
-                                        </p:attrNameLst>
-                                      </p:cBhvr>
-                                      <p:tavLst>
-                                        <p:tav tm="0">
-                                          <p:val>
-                                            <p:fltVal val="0"/>
-                                          </p:val>
-                                        </p:tav>
-                                        <p:tav tm="100000">
-                                          <p:val>
-                                            <p:strVal val="#ppt_h"/>
-                                          </p:val>
-                                        </p:tav>
-                                      </p:tavLst>
-                                    </p:anim>
-                                    <p:animEffect transition="in" filter="fade">
-                                      <p:cBhvr>
-                                        <p:cTn id="21" dur="750"/>
-                                        <p:tgtEl>
                                           <p:spTgt spid="23"/>
                                         </p:tgtEl>
                                       </p:cBhvr>
@@ -19400,14 +19286,14 @@
                                 </p:cTn>
                               </p:par>
                               <p:par>
-                                <p:cTn id="22" presetID="6" presetClass="emph" presetSubtype="0" autoRev="1" fill="hold" nodeType="withEffect">
+                                <p:cTn id="16" presetID="6" presetClass="emph" presetSubtype="0" autoRev="1" fill="hold" nodeType="withEffect">
                                   <p:stCondLst>
                                     <p:cond delay="0"/>
                                   </p:stCondLst>
                                   <p:childTnLst>
                                     <p:animScale>
                                       <p:cBhvr>
-                                        <p:cTn id="23" dur="750" fill="hold"/>
+                                        <p:cTn id="17" dur="750" fill="hold"/>
                                         <p:tgtEl>
                                           <p:spTgt spid="23"/>
                                         </p:tgtEl>
